--- a/Seguimiento en git.gitignore.pptx
+++ b/Seguimiento en git.gitignore.pptx
@@ -9,6 +9,10 @@
     <p:sldId id="257" r:id="rId3"/>
     <p:sldId id="258" r:id="rId4"/>
     <p:sldId id="259" r:id="rId5"/>
+    <p:sldId id="260" r:id="rId6"/>
+    <p:sldId id="261" r:id="rId7"/>
+    <p:sldId id="262" r:id="rId8"/>
+    <p:sldId id="263" r:id="rId9"/>
   </p:sldIdLst>
   <p:sldSz cx="12192000" cy="6858000"/>
   <p:notesSz cx="6858000" cy="9144000"/>
@@ -107,6 +111,11 @@
       </a:defRPr>
     </a:lvl9pPr>
   </p:defaultTextStyle>
+  <p:extLst>
+    <p:ext uri="{EFAFB233-063F-42B5-8137-9DF3F51BA10A}">
+      <p15:sldGuideLst xmlns:p15="http://schemas.microsoft.com/office/powerpoint/2012/main"/>
+    </p:ext>
+  </p:extLst>
 </p:presentation>
 </file>
 
@@ -3372,6 +3381,702 @@
 </p:sld>
 </file>
 
+<file path=ppt/slides/slide5.xml><?xml version="1.0" encoding="utf-8"?>
+<p:sld xmlns:a="http://schemas.openxmlformats.org/drawingml/2006/main" xmlns:r="http://schemas.openxmlformats.org/officeDocument/2006/relationships" xmlns:p="http://schemas.openxmlformats.org/presentationml/2006/main">
+  <p:cSld>
+    <p:spTree>
+      <p:nvGrpSpPr>
+        <p:cNvPr id="1" name=""/>
+        <p:cNvGrpSpPr/>
+        <p:nvPr/>
+      </p:nvGrpSpPr>
+      <p:grpSpPr>
+        <a:xfrm>
+          <a:off x="0" y="0"/>
+          <a:ext cx="0" cy="0"/>
+          <a:chOff x="0" y="0"/>
+          <a:chExt cx="0" cy="0"/>
+        </a:xfrm>
+      </p:grpSpPr>
+      <p:pic>
+        <p:nvPicPr>
+          <p:cNvPr id="2" name="Imagen 1"/>
+          <p:cNvPicPr>
+            <a:picLocks noChangeAspect="1"/>
+          </p:cNvPicPr>
+          <p:nvPr/>
+        </p:nvPicPr>
+        <p:blipFill rotWithShape="1">
+          <a:blip r:embed="rId2"/>
+          <a:srcRect l="1867" t="40311" r="62234" b="35866"/>
+          <a:stretch/>
+        </p:blipFill>
+        <p:spPr>
+          <a:xfrm>
+            <a:off x="2487168" y="4187952"/>
+            <a:ext cx="6565392" cy="2450592"/>
+          </a:xfrm>
+          <a:prstGeom prst="rect">
+            <a:avLst/>
+          </a:prstGeom>
+        </p:spPr>
+      </p:pic>
+      <p:pic>
+        <p:nvPicPr>
+          <p:cNvPr id="3" name="Imagen 2"/>
+          <p:cNvPicPr>
+            <a:picLocks noChangeAspect="1"/>
+          </p:cNvPicPr>
+          <p:nvPr/>
+        </p:nvPicPr>
+        <p:blipFill rotWithShape="1">
+          <a:blip r:embed="rId2"/>
+          <a:srcRect l="1867" t="6978" r="61232" b="76311"/>
+          <a:stretch/>
+        </p:blipFill>
+        <p:spPr>
+          <a:xfrm>
+            <a:off x="2487168" y="2468880"/>
+            <a:ext cx="6565392" cy="1719072"/>
+          </a:xfrm>
+          <a:prstGeom prst="rect">
+            <a:avLst/>
+          </a:prstGeom>
+        </p:spPr>
+      </p:pic>
+      <p:pic>
+        <p:nvPicPr>
+          <p:cNvPr id="4" name="Imagen 3"/>
+          <p:cNvPicPr>
+            <a:picLocks noChangeAspect="1"/>
+          </p:cNvPicPr>
+          <p:nvPr/>
+        </p:nvPicPr>
+        <p:blipFill rotWithShape="1">
+          <a:blip r:embed="rId3"/>
+          <a:srcRect l="51467" t="41378" r="18033" b="54000"/>
+          <a:stretch/>
+        </p:blipFill>
+        <p:spPr>
+          <a:xfrm>
+            <a:off x="2487168" y="1909207"/>
+            <a:ext cx="6565392" cy="559673"/>
+          </a:xfrm>
+          <a:prstGeom prst="rect">
+            <a:avLst/>
+          </a:prstGeom>
+        </p:spPr>
+      </p:pic>
+      <p:sp>
+        <p:nvSpPr>
+          <p:cNvPr id="5" name="Rectángulo 4"/>
+          <p:cNvSpPr/>
+          <p:nvPr/>
+        </p:nvSpPr>
+        <p:spPr>
+          <a:xfrm>
+            <a:off x="1572958" y="244376"/>
+            <a:ext cx="8393811" cy="923330"/>
+          </a:xfrm>
+          <a:prstGeom prst="rect">
+            <a:avLst/>
+          </a:prstGeom>
+        </p:spPr>
+        <p:txBody>
+          <a:bodyPr wrap="square">
+            <a:spAutoFit/>
+          </a:bodyPr>
+          <a:lstStyle/>
+          <a:p>
+            <a:r>
+              <a:rPr lang="es-ES" dirty="0" smtClean="0"/>
+              <a:t>Creamos un archivo readme.txt mediante el comando </a:t>
+            </a:r>
+            <a:r>
+              <a:rPr lang="es-ES" dirty="0" err="1" smtClean="0"/>
+              <a:t>touch</a:t>
+            </a:r>
+            <a:r>
+              <a:rPr lang="es-ES" dirty="0" smtClean="0"/>
+              <a:t>, y hacemos </a:t>
+            </a:r>
+            <a:r>
+              <a:rPr lang="es-ES" dirty="0" err="1" smtClean="0"/>
+              <a:t>elmismo</a:t>
+            </a:r>
+            <a:r>
+              <a:rPr lang="es-ES" dirty="0" smtClean="0"/>
+              <a:t> procedimiento de antes con el </a:t>
+            </a:r>
+            <a:r>
+              <a:rPr lang="es-ES" dirty="0" err="1" smtClean="0"/>
+              <a:t>git</a:t>
+            </a:r>
+            <a:r>
+              <a:rPr lang="es-ES" dirty="0" smtClean="0"/>
+              <a:t> status donde nos </a:t>
+            </a:r>
+            <a:r>
+              <a:rPr lang="es-ES" dirty="0" err="1" smtClean="0"/>
+              <a:t>muesra</a:t>
+            </a:r>
+            <a:r>
+              <a:rPr lang="es-ES" dirty="0" smtClean="0"/>
+              <a:t> los archivos que no tienen </a:t>
+            </a:r>
+            <a:r>
+              <a:rPr lang="es-ES" dirty="0" err="1" smtClean="0"/>
+              <a:t>seguimento</a:t>
+            </a:r>
+            <a:r>
+              <a:rPr lang="es-ES" dirty="0" smtClean="0"/>
+              <a:t>. El </a:t>
+            </a:r>
+            <a:r>
+              <a:rPr lang="es-ES" dirty="0" err="1" smtClean="0"/>
+              <a:t>git</a:t>
+            </a:r>
+            <a:r>
+              <a:rPr lang="es-ES" dirty="0" smtClean="0"/>
+              <a:t> </a:t>
+            </a:r>
+            <a:r>
+              <a:rPr lang="es-ES" dirty="0" err="1" smtClean="0"/>
+              <a:t>add</a:t>
+            </a:r>
+            <a:r>
+              <a:rPr lang="es-ES" dirty="0" smtClean="0"/>
+              <a:t> para comenzar y con el </a:t>
+            </a:r>
+            <a:r>
+              <a:rPr lang="es-ES" dirty="0" err="1" smtClean="0"/>
+              <a:t>comit</a:t>
+            </a:r>
+            <a:r>
+              <a:rPr lang="es-ES" dirty="0" smtClean="0"/>
+              <a:t> hacemos la </a:t>
+            </a:r>
+            <a:r>
+              <a:rPr lang="es-ES" dirty="0" err="1" smtClean="0"/>
+              <a:t>confirmacion</a:t>
+            </a:r>
+            <a:endParaRPr lang="en-US" dirty="0"/>
+          </a:p>
+        </p:txBody>
+      </p:sp>
+    </p:spTree>
+    <p:extLst>
+      <p:ext uri="{BB962C8B-B14F-4D97-AF65-F5344CB8AC3E}">
+        <p14:creationId xmlns:p14="http://schemas.microsoft.com/office/powerpoint/2010/main" val="3164258902"/>
+      </p:ext>
+    </p:extLst>
+  </p:cSld>
+  <p:clrMapOvr>
+    <a:masterClrMapping/>
+  </p:clrMapOvr>
+</p:sld>
+</file>
+
+<file path=ppt/slides/slide6.xml><?xml version="1.0" encoding="utf-8"?>
+<p:sld xmlns:a="http://schemas.openxmlformats.org/drawingml/2006/main" xmlns:r="http://schemas.openxmlformats.org/officeDocument/2006/relationships" xmlns:p="http://schemas.openxmlformats.org/presentationml/2006/main">
+  <p:cSld>
+    <p:spTree>
+      <p:nvGrpSpPr>
+        <p:cNvPr id="1" name=""/>
+        <p:cNvGrpSpPr/>
+        <p:nvPr/>
+      </p:nvGrpSpPr>
+      <p:grpSpPr>
+        <a:xfrm>
+          <a:off x="0" y="0"/>
+          <a:ext cx="0" cy="0"/>
+          <a:chOff x="0" y="0"/>
+          <a:chExt cx="0" cy="0"/>
+        </a:xfrm>
+      </p:grpSpPr>
+      <p:sp>
+        <p:nvSpPr>
+          <p:cNvPr id="2" name="Rectángulo 1"/>
+          <p:cNvSpPr/>
+          <p:nvPr/>
+        </p:nvSpPr>
+        <p:spPr>
+          <a:xfrm>
+            <a:off x="3321939" y="1297793"/>
+            <a:ext cx="6096000" cy="4247317"/>
+          </a:xfrm>
+          <a:prstGeom prst="rect">
+            <a:avLst/>
+          </a:prstGeom>
+        </p:spPr>
+        <p:txBody>
+          <a:bodyPr>
+            <a:spAutoFit/>
+          </a:bodyPr>
+          <a:lstStyle/>
+          <a:p>
+            <a:r>
+              <a:rPr lang="es-ES" dirty="0" smtClean="0"/>
+              <a:t>Lamentablemente la parte que agregue el proyecto al </a:t>
+            </a:r>
+            <a:r>
+              <a:rPr lang="es-ES" dirty="0" err="1" smtClean="0"/>
+              <a:t>github</a:t>
+            </a:r>
+            <a:r>
+              <a:rPr lang="es-ES" dirty="0" smtClean="0"/>
+              <a:t> no tome captura pero básicamente hice los siguientes pasos</a:t>
+            </a:r>
+          </a:p>
+          <a:p>
+            <a:r>
+              <a:rPr lang="es-ES" dirty="0"/>
+              <a:t>1- </a:t>
+            </a:r>
+            <a:r>
+              <a:rPr lang="es-ES" dirty="0" smtClean="0"/>
+              <a:t>Ejecuta “ </a:t>
+            </a:r>
+            <a:r>
+              <a:rPr lang="es-ES" dirty="0" err="1"/>
+              <a:t>git</a:t>
+            </a:r>
+            <a:r>
+              <a:rPr lang="es-ES" dirty="0"/>
+              <a:t> </a:t>
+            </a:r>
+            <a:r>
+              <a:rPr lang="es-ES" dirty="0" err="1"/>
+              <a:t>remote</a:t>
+            </a:r>
+            <a:r>
+              <a:rPr lang="es-ES" dirty="0"/>
+              <a:t> </a:t>
+            </a:r>
+            <a:r>
+              <a:rPr lang="es-ES" dirty="0" err="1"/>
+              <a:t>add</a:t>
+            </a:r>
+            <a:r>
+              <a:rPr lang="es-ES" dirty="0"/>
+              <a:t> </a:t>
+            </a:r>
+            <a:r>
+              <a:rPr lang="es-ES" dirty="0" err="1" smtClean="0"/>
+              <a:t>origin</a:t>
+            </a:r>
+            <a:r>
+              <a:rPr lang="es-ES" dirty="0"/>
+              <a:t> </a:t>
+            </a:r>
+            <a:r>
+              <a:rPr lang="es-ES" dirty="0">
+                <a:hlinkClick r:id="rId2"/>
+              </a:rPr>
+              <a:t>https://</a:t>
+            </a:r>
+            <a:r>
+              <a:rPr lang="es-ES" dirty="0" smtClean="0">
+                <a:hlinkClick r:id="rId2"/>
+              </a:rPr>
+              <a:t>github.com/RodriPelli/IngieneriaProyecto.git</a:t>
+            </a:r>
+            <a:r>
+              <a:rPr lang="es-ES" dirty="0" smtClean="0"/>
+              <a:t> ” –las comillas no van a la hora de ejecutar el comando solo las pongo para separarlo.</a:t>
+            </a:r>
+          </a:p>
+          <a:p>
+            <a:r>
+              <a:rPr lang="es-ES" dirty="0"/>
+              <a:t>2- Ejecuta </a:t>
+            </a:r>
+            <a:r>
+              <a:rPr lang="es-ES" dirty="0" err="1"/>
+              <a:t>git</a:t>
+            </a:r>
+            <a:r>
+              <a:rPr lang="es-ES" dirty="0"/>
+              <a:t> </a:t>
+            </a:r>
+            <a:r>
+              <a:rPr lang="es-ES" dirty="0" err="1"/>
+              <a:t>remote</a:t>
+            </a:r>
+            <a:r>
+              <a:rPr lang="es-ES" dirty="0"/>
+              <a:t> -v. Esto hace algo de magia usando </a:t>
+            </a:r>
+            <a:r>
+              <a:rPr lang="es-ES" dirty="0" err="1"/>
+              <a:t>git</a:t>
+            </a:r>
+            <a:r>
+              <a:rPr lang="es-ES" dirty="0"/>
+              <a:t> </a:t>
+            </a:r>
+            <a:r>
+              <a:rPr lang="es-ES" dirty="0" err="1"/>
+              <a:t>pull</a:t>
+            </a:r>
+            <a:r>
+              <a:rPr lang="es-ES" dirty="0"/>
+              <a:t> y </a:t>
+            </a:r>
+            <a:r>
+              <a:rPr lang="es-ES" dirty="0" err="1"/>
+              <a:t>git</a:t>
+            </a:r>
+            <a:r>
+              <a:rPr lang="es-ES" dirty="0"/>
+              <a:t> </a:t>
+            </a:r>
+            <a:r>
+              <a:rPr lang="es-ES" dirty="0" err="1"/>
+              <a:t>push</a:t>
+            </a:r>
+            <a:r>
+              <a:rPr lang="es-ES" dirty="0"/>
+              <a:t> para garantizar que el contenido </a:t>
+            </a:r>
+            <a:r>
+              <a:rPr lang="es-ES" dirty="0" smtClean="0"/>
+              <a:t>del nuevo </a:t>
+            </a:r>
+            <a:r>
+              <a:rPr lang="es-ES" dirty="0"/>
+              <a:t>repositorio de </a:t>
+            </a:r>
+            <a:r>
+              <a:rPr lang="es-ES" dirty="0" err="1"/>
+              <a:t>Github</a:t>
+            </a:r>
+            <a:r>
+              <a:rPr lang="es-ES" dirty="0"/>
+              <a:t> y la carpeta </a:t>
+            </a:r>
+            <a:r>
+              <a:rPr lang="es-ES" dirty="0" smtClean="0"/>
+              <a:t>del sistema </a:t>
+            </a:r>
+            <a:r>
+              <a:rPr lang="es-ES" dirty="0"/>
+              <a:t>local sean los mismos</a:t>
+            </a:r>
+            <a:r>
+              <a:rPr lang="es-ES" dirty="0" smtClean="0"/>
+              <a:t>.</a:t>
+            </a:r>
+          </a:p>
+          <a:p>
+            <a:r>
+              <a:rPr lang="es-ES" dirty="0"/>
+              <a:t>3-Finalmente, ejecuta </a:t>
+            </a:r>
+            <a:r>
+              <a:rPr lang="es-ES" dirty="0" err="1"/>
+              <a:t>git</a:t>
+            </a:r>
+            <a:r>
+              <a:rPr lang="es-ES" dirty="0"/>
+              <a:t> </a:t>
+            </a:r>
+            <a:r>
+              <a:rPr lang="es-ES" dirty="0" err="1"/>
+              <a:t>push</a:t>
+            </a:r>
+            <a:r>
+              <a:rPr lang="es-ES" dirty="0"/>
+              <a:t> </a:t>
+            </a:r>
+            <a:r>
+              <a:rPr lang="es-ES" dirty="0" err="1"/>
+              <a:t>origin</a:t>
+            </a:r>
+            <a:r>
+              <a:rPr lang="es-ES" dirty="0"/>
+              <a:t> master para empujar </a:t>
+            </a:r>
+            <a:r>
+              <a:rPr lang="es-ES" dirty="0" smtClean="0"/>
+              <a:t>los </a:t>
+            </a:r>
+            <a:r>
+              <a:rPr lang="es-ES" dirty="0"/>
+              <a:t>archivos a </a:t>
+            </a:r>
+            <a:r>
+              <a:rPr lang="es-ES" dirty="0" err="1"/>
+              <a:t>Github</a:t>
+            </a:r>
+            <a:r>
+              <a:rPr lang="es-ES" dirty="0"/>
+              <a:t>. </a:t>
+            </a:r>
+            <a:endParaRPr lang="es-ES" dirty="0" smtClean="0"/>
+          </a:p>
+          <a:p>
+            <a:endParaRPr lang="es-ES" dirty="0"/>
+          </a:p>
+          <a:p>
+            <a:r>
+              <a:rPr lang="es-ES" dirty="0" err="1" smtClean="0"/>
+              <a:t>Asi</a:t>
+            </a:r>
+            <a:r>
+              <a:rPr lang="es-ES" dirty="0" smtClean="0"/>
+              <a:t> que ahora los archivos van a estar disponibles en el repositorio del </a:t>
+            </a:r>
+            <a:r>
+              <a:rPr lang="es-ES" dirty="0" err="1" smtClean="0"/>
+              <a:t>gitHub</a:t>
+            </a:r>
+            <a:endParaRPr lang="en-US" dirty="0"/>
+          </a:p>
+        </p:txBody>
+      </p:sp>
+    </p:spTree>
+    <p:extLst>
+      <p:ext uri="{BB962C8B-B14F-4D97-AF65-F5344CB8AC3E}">
+        <p14:creationId xmlns:p14="http://schemas.microsoft.com/office/powerpoint/2010/main" val="2144727876"/>
+      </p:ext>
+    </p:extLst>
+  </p:cSld>
+  <p:clrMapOvr>
+    <a:masterClrMapping/>
+  </p:clrMapOvr>
+</p:sld>
+</file>
+
+<file path=ppt/slides/slide7.xml><?xml version="1.0" encoding="utf-8"?>
+<p:sld xmlns:a="http://schemas.openxmlformats.org/drawingml/2006/main" xmlns:r="http://schemas.openxmlformats.org/officeDocument/2006/relationships" xmlns:p="http://schemas.openxmlformats.org/presentationml/2006/main">
+  <p:cSld>
+    <p:spTree>
+      <p:nvGrpSpPr>
+        <p:cNvPr id="1" name=""/>
+        <p:cNvGrpSpPr/>
+        <p:nvPr/>
+      </p:nvGrpSpPr>
+      <p:grpSpPr>
+        <a:xfrm>
+          <a:off x="0" y="0"/>
+          <a:ext cx="0" cy="0"/>
+          <a:chOff x="0" y="0"/>
+          <a:chExt cx="0" cy="0"/>
+        </a:xfrm>
+      </p:grpSpPr>
+      <p:pic>
+        <p:nvPicPr>
+          <p:cNvPr id="2" name="Imagen 1"/>
+          <p:cNvPicPr>
+            <a:picLocks noChangeAspect="1"/>
+          </p:cNvPicPr>
+          <p:nvPr/>
+        </p:nvPicPr>
+        <p:blipFill rotWithShape="1">
+          <a:blip r:embed="rId2"/>
+          <a:srcRect l="8500" t="31468" r="53933" b="47243"/>
+          <a:stretch/>
+        </p:blipFill>
+        <p:spPr>
+          <a:xfrm>
+            <a:off x="2676144" y="2711196"/>
+            <a:ext cx="6870192" cy="2189988"/>
+          </a:xfrm>
+          <a:prstGeom prst="rect">
+            <a:avLst/>
+          </a:prstGeom>
+        </p:spPr>
+      </p:pic>
+      <p:sp>
+        <p:nvSpPr>
+          <p:cNvPr id="3" name="Rectángulo 2"/>
+          <p:cNvSpPr/>
+          <p:nvPr/>
+        </p:nvSpPr>
+        <p:spPr>
+          <a:xfrm>
+            <a:off x="3063240" y="1297793"/>
+            <a:ext cx="6096000" cy="923330"/>
+          </a:xfrm>
+          <a:prstGeom prst="rect">
+            <a:avLst/>
+          </a:prstGeom>
+        </p:spPr>
+        <p:txBody>
+          <a:bodyPr>
+            <a:spAutoFit/>
+          </a:bodyPr>
+          <a:lstStyle/>
+          <a:p>
+            <a:r>
+              <a:rPr lang="es-ES" dirty="0" smtClean="0"/>
+              <a:t>En este caso la conexión ya esta hecha, </a:t>
+            </a:r>
+            <a:r>
+              <a:rPr lang="es-ES" dirty="0" err="1" smtClean="0"/>
+              <a:t>asi</a:t>
+            </a:r>
+            <a:r>
+              <a:rPr lang="es-ES" dirty="0" smtClean="0"/>
+              <a:t> que solo utilizo el comando </a:t>
+            </a:r>
+            <a:r>
+              <a:rPr lang="en-US" dirty="0"/>
+              <a:t> </a:t>
+            </a:r>
+            <a:r>
+              <a:rPr lang="en-US" dirty="0" err="1"/>
+              <a:t>git</a:t>
+            </a:r>
+            <a:r>
+              <a:rPr lang="en-US" dirty="0"/>
+              <a:t> push origin </a:t>
+            </a:r>
+            <a:r>
+              <a:rPr lang="en-US" dirty="0" smtClean="0"/>
+              <a:t>master para enviar </a:t>
+            </a:r>
+            <a:r>
+              <a:rPr lang="en-US" dirty="0" err="1" smtClean="0"/>
+              <a:t>los</a:t>
+            </a:r>
+            <a:r>
+              <a:rPr lang="en-US" dirty="0" smtClean="0"/>
+              <a:t> </a:t>
+            </a:r>
+            <a:r>
+              <a:rPr lang="en-US" dirty="0" err="1" smtClean="0"/>
+              <a:t>cambios</a:t>
+            </a:r>
+            <a:r>
+              <a:rPr lang="en-US" dirty="0" smtClean="0"/>
+              <a:t> que </a:t>
+            </a:r>
+            <a:r>
+              <a:rPr lang="en-US" dirty="0" err="1" smtClean="0"/>
+              <a:t>haya</a:t>
+            </a:r>
+            <a:r>
+              <a:rPr lang="en-US" dirty="0" smtClean="0"/>
+              <a:t> </a:t>
+            </a:r>
+            <a:r>
+              <a:rPr lang="en-US" dirty="0" err="1" smtClean="0"/>
+              <a:t>hecho</a:t>
+            </a:r>
+            <a:r>
+              <a:rPr lang="en-US" dirty="0" smtClean="0"/>
+              <a:t> al </a:t>
+            </a:r>
+            <a:r>
+              <a:rPr lang="en-US" dirty="0" err="1" smtClean="0"/>
+              <a:t>repositorio</a:t>
+            </a:r>
+            <a:r>
+              <a:rPr lang="en-US" dirty="0" smtClean="0"/>
+              <a:t> del </a:t>
+            </a:r>
+            <a:r>
+              <a:rPr lang="en-US" dirty="0" err="1" smtClean="0"/>
+              <a:t>git</a:t>
+            </a:r>
+            <a:r>
+              <a:rPr lang="en-US" dirty="0" smtClean="0"/>
+              <a:t>.</a:t>
+            </a:r>
+            <a:endParaRPr lang="en-US" dirty="0"/>
+          </a:p>
+        </p:txBody>
+      </p:sp>
+    </p:spTree>
+    <p:extLst>
+      <p:ext uri="{BB962C8B-B14F-4D97-AF65-F5344CB8AC3E}">
+        <p14:creationId xmlns:p14="http://schemas.microsoft.com/office/powerpoint/2010/main" val="3280102007"/>
+      </p:ext>
+    </p:extLst>
+  </p:cSld>
+  <p:clrMapOvr>
+    <a:masterClrMapping/>
+  </p:clrMapOvr>
+</p:sld>
+</file>
+
+<file path=ppt/slides/slide8.xml><?xml version="1.0" encoding="utf-8"?>
+<p:sld xmlns:a="http://schemas.openxmlformats.org/drawingml/2006/main" xmlns:r="http://schemas.openxmlformats.org/officeDocument/2006/relationships" xmlns:p="http://schemas.openxmlformats.org/presentationml/2006/main">
+  <p:cSld>
+    <p:spTree>
+      <p:nvGrpSpPr>
+        <p:cNvPr id="1" name=""/>
+        <p:cNvGrpSpPr/>
+        <p:nvPr/>
+      </p:nvGrpSpPr>
+      <p:grpSpPr>
+        <a:xfrm>
+          <a:off x="0" y="0"/>
+          <a:ext cx="0" cy="0"/>
+          <a:chOff x="0" y="0"/>
+          <a:chExt cx="0" cy="0"/>
+        </a:xfrm>
+      </p:grpSpPr>
+      <p:sp>
+        <p:nvSpPr>
+          <p:cNvPr id="2" name="Rectángulo 1"/>
+          <p:cNvSpPr/>
+          <p:nvPr/>
+        </p:nvSpPr>
+        <p:spPr>
+          <a:xfrm>
+            <a:off x="3172968" y="950321"/>
+            <a:ext cx="6096000" cy="923330"/>
+          </a:xfrm>
+          <a:prstGeom prst="rect">
+            <a:avLst/>
+          </a:prstGeom>
+        </p:spPr>
+        <p:txBody>
+          <a:bodyPr>
+            <a:spAutoFit/>
+          </a:bodyPr>
+          <a:lstStyle/>
+          <a:p>
+            <a:r>
+              <a:rPr lang="es-ES" dirty="0" smtClean="0"/>
+              <a:t>Con la herramienta de </a:t>
+            </a:r>
+            <a:r>
+              <a:rPr lang="es-ES" dirty="0" err="1" smtClean="0"/>
+              <a:t>git</a:t>
+            </a:r>
+            <a:r>
+              <a:rPr lang="es-ES" dirty="0" smtClean="0"/>
+              <a:t> </a:t>
+            </a:r>
+            <a:r>
+              <a:rPr lang="es-ES" dirty="0" err="1" smtClean="0"/>
+              <a:t>pages</a:t>
+            </a:r>
+            <a:r>
+              <a:rPr lang="es-ES" dirty="0" smtClean="0"/>
+              <a:t> vamos a transformar el proyecto en pagina web, nos va a proporcionar un enlace con el que podemos ver el proyecto de forma online.</a:t>
+            </a:r>
+            <a:endParaRPr lang="en-US" dirty="0"/>
+          </a:p>
+        </p:txBody>
+      </p:sp>
+    </p:spTree>
+    <p:extLst>
+      <p:ext uri="{BB962C8B-B14F-4D97-AF65-F5344CB8AC3E}">
+        <p14:creationId xmlns:p14="http://schemas.microsoft.com/office/powerpoint/2010/main" val="2782487524"/>
+      </p:ext>
+    </p:extLst>
+  </p:cSld>
+  <p:clrMapOvr>
+    <a:masterClrMapping/>
+  </p:clrMapOvr>
+</p:sld>
+</file>
+
 <file path=ppt/theme/theme1.xml><?xml version="1.0" encoding="utf-8"?>
 <a:theme xmlns:a="http://schemas.openxmlformats.org/drawingml/2006/main" name="Tema de Office">
   <a:themeElements>

--- a/Seguimiento en git.gitignore.pptx
+++ b/Seguimiento en git.gitignore.pptx
@@ -250,7 +250,7 @@
           <a:p>
             <a:fld id="{DC25503B-DCE4-4F5A-9155-4A2FAB1FEB25}" type="datetimeFigureOut">
               <a:rPr lang="en-US" smtClean="0"/>
-              <a:t>4/15/2023</a:t>
+              <a:t>4/16/2023</a:t>
             </a:fld>
             <a:endParaRPr lang="en-US"/>
           </a:p>
@@ -420,7 +420,7 @@
           <a:p>
             <a:fld id="{DC25503B-DCE4-4F5A-9155-4A2FAB1FEB25}" type="datetimeFigureOut">
               <a:rPr lang="en-US" smtClean="0"/>
-              <a:t>4/15/2023</a:t>
+              <a:t>4/16/2023</a:t>
             </a:fld>
             <a:endParaRPr lang="en-US"/>
           </a:p>
@@ -600,7 +600,7 @@
           <a:p>
             <a:fld id="{DC25503B-DCE4-4F5A-9155-4A2FAB1FEB25}" type="datetimeFigureOut">
               <a:rPr lang="en-US" smtClean="0"/>
-              <a:t>4/15/2023</a:t>
+              <a:t>4/16/2023</a:t>
             </a:fld>
             <a:endParaRPr lang="en-US"/>
           </a:p>
@@ -770,7 +770,7 @@
           <a:p>
             <a:fld id="{DC25503B-DCE4-4F5A-9155-4A2FAB1FEB25}" type="datetimeFigureOut">
               <a:rPr lang="en-US" smtClean="0"/>
-              <a:t>4/15/2023</a:t>
+              <a:t>4/16/2023</a:t>
             </a:fld>
             <a:endParaRPr lang="en-US"/>
           </a:p>
@@ -1016,7 +1016,7 @@
           <a:p>
             <a:fld id="{DC25503B-DCE4-4F5A-9155-4A2FAB1FEB25}" type="datetimeFigureOut">
               <a:rPr lang="en-US" smtClean="0"/>
-              <a:t>4/15/2023</a:t>
+              <a:t>4/16/2023</a:t>
             </a:fld>
             <a:endParaRPr lang="en-US"/>
           </a:p>
@@ -1248,7 +1248,7 @@
           <a:p>
             <a:fld id="{DC25503B-DCE4-4F5A-9155-4A2FAB1FEB25}" type="datetimeFigureOut">
               <a:rPr lang="en-US" smtClean="0"/>
-              <a:t>4/15/2023</a:t>
+              <a:t>4/16/2023</a:t>
             </a:fld>
             <a:endParaRPr lang="en-US"/>
           </a:p>
@@ -1615,7 +1615,7 @@
           <a:p>
             <a:fld id="{DC25503B-DCE4-4F5A-9155-4A2FAB1FEB25}" type="datetimeFigureOut">
               <a:rPr lang="en-US" smtClean="0"/>
-              <a:t>4/15/2023</a:t>
+              <a:t>4/16/2023</a:t>
             </a:fld>
             <a:endParaRPr lang="en-US"/>
           </a:p>
@@ -1733,7 +1733,7 @@
           <a:p>
             <a:fld id="{DC25503B-DCE4-4F5A-9155-4A2FAB1FEB25}" type="datetimeFigureOut">
               <a:rPr lang="en-US" smtClean="0"/>
-              <a:t>4/15/2023</a:t>
+              <a:t>4/16/2023</a:t>
             </a:fld>
             <a:endParaRPr lang="en-US"/>
           </a:p>
@@ -1828,7 +1828,7 @@
           <a:p>
             <a:fld id="{DC25503B-DCE4-4F5A-9155-4A2FAB1FEB25}" type="datetimeFigureOut">
               <a:rPr lang="en-US" smtClean="0"/>
-              <a:t>4/15/2023</a:t>
+              <a:t>4/16/2023</a:t>
             </a:fld>
             <a:endParaRPr lang="en-US"/>
           </a:p>
@@ -2105,7 +2105,7 @@
           <a:p>
             <a:fld id="{DC25503B-DCE4-4F5A-9155-4A2FAB1FEB25}" type="datetimeFigureOut">
               <a:rPr lang="en-US" smtClean="0"/>
-              <a:t>4/15/2023</a:t>
+              <a:t>4/16/2023</a:t>
             </a:fld>
             <a:endParaRPr lang="en-US"/>
           </a:p>
@@ -2358,7 +2358,7 @@
           <a:p>
             <a:fld id="{DC25503B-DCE4-4F5A-9155-4A2FAB1FEB25}" type="datetimeFigureOut">
               <a:rPr lang="en-US" smtClean="0"/>
-              <a:t>4/15/2023</a:t>
+              <a:t>4/16/2023</a:t>
             </a:fld>
             <a:endParaRPr lang="en-US"/>
           </a:p>
@@ -2571,7 +2571,7 @@
           <a:p>
             <a:fld id="{DC25503B-DCE4-4F5A-9155-4A2FAB1FEB25}" type="datetimeFigureOut">
               <a:rPr lang="en-US" smtClean="0"/>
-              <a:t>4/15/2023</a:t>
+              <a:t>4/16/2023</a:t>
             </a:fld>
             <a:endParaRPr lang="en-US"/>
           </a:p>
@@ -4027,7 +4027,7 @@
         </p:nvSpPr>
         <p:spPr>
           <a:xfrm>
-            <a:off x="3172968" y="950321"/>
+            <a:off x="3390682" y="3101338"/>
             <a:ext cx="6096000" cy="923330"/>
           </a:xfrm>
           <a:prstGeom prst="rect">
